--- a/ppt/7.pptx
+++ b/ppt/7.pptx
@@ -4868,117 +4868,6 @@
       </p:pic>
       <p:sp>
         <p:nvSpPr>
-          <p:cNvPr id="45" name="矩形 44"/>
-          <p:cNvSpPr/>
-          <p:nvPr/>
-        </p:nvSpPr>
-        <p:spPr>
-          <a:xfrm flipH="1">
-            <a:off x="6362463" y="5188145"/>
-            <a:ext cx="5242162" cy="400110"/>
-          </a:xfrm>
-          <a:prstGeom prst="rect">
-            <a:avLst/>
-          </a:prstGeom>
-        </p:spPr>
-        <p:txBody>
-          <a:bodyPr wrap="square">
-            <a:spAutoFit/>
-          </a:bodyPr>
-          <a:lstStyle/>
-          <a:p>
-            <a:r>
-              <a:rPr lang="zh-CN" altLang="en-US" sz="2000" dirty="0">
-                <a:solidFill>
-                  <a:schemeClr val="tx1">
-                    <a:lumMod val="65000"/>
-                    <a:lumOff val="35000"/>
-                  </a:schemeClr>
-                </a:solidFill>
-                <a:latin typeface="思源黑体 CN Medium" panose="020B0600000000000000" pitchFamily="34" charset="-122"/>
-                <a:ea typeface="思源黑体 CN Medium" panose="020B0600000000000000" pitchFamily="34" charset="-122"/>
-                <a:cs typeface="+mn-ea"/>
-                <a:sym typeface="+mn-lt"/>
-              </a:rPr>
-              <a:t>汇报人</a:t>
-            </a:r>
-            <a:r>
-              <a:rPr lang="zh-CN" altLang="en-US" sz="2000" dirty="0" smtClean="0">
-                <a:solidFill>
-                  <a:schemeClr val="tx1">
-                    <a:lumMod val="65000"/>
-                    <a:lumOff val="35000"/>
-                  </a:schemeClr>
-                </a:solidFill>
-                <a:latin typeface="思源黑体 CN Medium" panose="020B0600000000000000" pitchFamily="34" charset="-122"/>
-                <a:ea typeface="思源黑体 CN Medium" panose="020B0600000000000000" pitchFamily="34" charset="-122"/>
-                <a:cs typeface="+mn-ea"/>
-                <a:sym typeface="+mn-lt"/>
-              </a:rPr>
-              <a:t>：青课   </a:t>
-            </a:r>
-            <a:r>
-              <a:rPr lang="zh-CN" altLang="en-US" sz="2000" dirty="0">
-                <a:solidFill>
-                  <a:schemeClr val="tx1">
-                    <a:lumMod val="65000"/>
-                    <a:lumOff val="35000"/>
-                  </a:schemeClr>
-                </a:solidFill>
-                <a:latin typeface="思源黑体 CN Medium" panose="020B0600000000000000" pitchFamily="34" charset="-122"/>
-                <a:ea typeface="思源黑体 CN Medium" panose="020B0600000000000000" pitchFamily="34" charset="-122"/>
-                <a:cs typeface="+mn-ea"/>
-                <a:sym typeface="+mn-lt"/>
-              </a:rPr>
-              <a:t>指导导师：</a:t>
-            </a:r>
-            <a:r>
-              <a:rPr lang="en-US" altLang="zh-CN" sz="2000" dirty="0">
-                <a:solidFill>
-                  <a:schemeClr val="tx1">
-                    <a:lumMod val="65000"/>
-                    <a:lumOff val="35000"/>
-                  </a:schemeClr>
-                </a:solidFill>
-                <a:latin typeface="思源黑体 CN Medium" panose="020B0600000000000000" pitchFamily="34" charset="-122"/>
-                <a:ea typeface="思源黑体 CN Medium" panose="020B0600000000000000" pitchFamily="34" charset="-122"/>
-                <a:cs typeface="+mn-ea"/>
-                <a:sym typeface="+mn-lt"/>
-              </a:rPr>
-              <a:t>XX</a:t>
-            </a:r>
-            <a:r>
-              <a:rPr lang="zh-CN" altLang="en-US" sz="2000" dirty="0">
-                <a:solidFill>
-                  <a:schemeClr val="tx1">
-                    <a:lumMod val="65000"/>
-                    <a:lumOff val="35000"/>
-                  </a:schemeClr>
-                </a:solidFill>
-                <a:latin typeface="思源黑体 CN Medium" panose="020B0600000000000000" pitchFamily="34" charset="-122"/>
-                <a:ea typeface="思源黑体 CN Medium" panose="020B0600000000000000" pitchFamily="34" charset="-122"/>
-                <a:cs typeface="+mn-ea"/>
-                <a:sym typeface="+mn-lt"/>
-              </a:rPr>
-              <a:t>教授</a:t>
-            </a:r>
-            <a:endParaRPr lang="zh-CN" altLang="en-US" sz="2000" dirty="0">
-              <a:solidFill>
-                <a:schemeClr val="tx1">
-                  <a:lumMod val="65000"/>
-                  <a:lumOff val="35000"/>
-                </a:schemeClr>
-              </a:solidFill>
-              <a:latin typeface="思源黑体 CN Medium" panose="020B0600000000000000" pitchFamily="34" charset="-122"/>
-              <a:ea typeface="思源黑体 CN Medium" panose="020B0600000000000000" pitchFamily="34" charset="-122"/>
-              <a:cs typeface="+mn-ea"/>
-              <a:sym typeface="+mn-lt"/>
-            </a:endParaRPr>
-          </a:p>
-        </p:txBody>
-      </p:sp>
-      <p:sp>
-        <p:nvSpPr>
           <p:cNvPr id="46" name="椭圆 45"/>
           <p:cNvSpPr/>
           <p:nvPr/>
@@ -5049,7 +4938,7 @@
                             </p:stCondLst>
                             <p:childTnLst>
                               <p:par>
-                                <p:cTn id="5" presetID="22" presetClass="entr" presetSubtype="4" fill="hold" grpId="0" nodeType="clickEffect">
+                                <p:cTn id="5" presetID="2" presetClass="entr" presetSubtype="4" fill="hold" nodeType="clickEffect">
                                   <p:stCondLst>
                                     <p:cond delay="0"/>
                                   </p:stCondLst>
@@ -5057,59 +4946,6 @@
                                     <p:set>
                                       <p:cBhvr>
                                         <p:cTn id="6" dur="1" fill="hold">
-                                          <p:stCondLst>
-                                            <p:cond delay="0"/>
-                                          </p:stCondLst>
-                                        </p:cTn>
-                                        <p:tgtEl>
-                                          <p:spTgt spid="45"/>
-                                        </p:tgtEl>
-                                        <p:attrNameLst>
-                                          <p:attrName>style.visibility</p:attrName>
-                                        </p:attrNameLst>
-                                      </p:cBhvr>
-                                      <p:to>
-                                        <p:strVal val="visible"/>
-                                      </p:to>
-                                    </p:set>
-                                    <p:animEffect transition="in" filter="wipe(down)">
-                                      <p:cBhvr>
-                                        <p:cTn id="7" dur="500"/>
-                                        <p:tgtEl>
-                                          <p:spTgt spid="45"/>
-                                        </p:tgtEl>
-                                      </p:cBhvr>
-                                    </p:animEffect>
-                                  </p:childTnLst>
-                                </p:cTn>
-                              </p:par>
-                            </p:childTnLst>
-                          </p:cTn>
-                        </p:par>
-                      </p:childTnLst>
-                    </p:cTn>
-                  </p:par>
-                  <p:par>
-                    <p:cTn id="8" fill="hold">
-                      <p:stCondLst>
-                        <p:cond delay="indefinite"/>
-                      </p:stCondLst>
-                      <p:childTnLst>
-                        <p:par>
-                          <p:cTn id="9" fill="hold">
-                            <p:stCondLst>
-                              <p:cond delay="0"/>
-                            </p:stCondLst>
-                            <p:childTnLst>
-                              <p:par>
-                                <p:cTn id="10" presetID="2" presetClass="entr" presetSubtype="4" fill="hold" nodeType="clickEffect">
-                                  <p:stCondLst>
-                                    <p:cond delay="0"/>
-                                  </p:stCondLst>
-                                  <p:childTnLst>
-                                    <p:set>
-                                      <p:cBhvr>
-                                        <p:cTn id="11" dur="1" fill="hold">
                                           <p:stCondLst>
                                             <p:cond delay="0"/>
                                           </p:stCondLst>
@@ -5127,7 +4963,7 @@
                                     </p:set>
                                     <p:anim calcmode="lin" valueType="num">
                                       <p:cBhvr additive="base">
-                                        <p:cTn id="12" dur="500" fill="hold"/>
+                                        <p:cTn id="7" dur="500" fill="hold"/>
                                         <p:tgtEl>
                                           <p:spTgt spid="44"/>
                                         </p:tgtEl>
@@ -5150,7 +4986,7 @@
                                     </p:anim>
                                     <p:anim calcmode="lin" valueType="num">
                                       <p:cBhvr additive="base">
-                                        <p:cTn id="13" dur="500" fill="hold"/>
+                                        <p:cTn id="8" dur="500" fill="hold"/>
                                         <p:tgtEl>
                                           <p:spTgt spid="44"/>
                                         </p:tgtEl>
@@ -5181,26 +5017,26 @@
                     </p:cTn>
                   </p:par>
                   <p:par>
-                    <p:cTn id="14" fill="hold">
+                    <p:cTn id="9" fill="hold">
                       <p:stCondLst>
                         <p:cond delay="indefinite"/>
                       </p:stCondLst>
                       <p:childTnLst>
                         <p:par>
-                          <p:cTn id="15" fill="hold">
+                          <p:cTn id="10" fill="hold">
                             <p:stCondLst>
                               <p:cond delay="0"/>
                             </p:stCondLst>
                             <p:childTnLst>
                               <p:par>
-                                <p:cTn id="16" presetID="42" presetClass="entr" presetSubtype="0" fill="hold" grpId="0" nodeType="clickEffect">
+                                <p:cTn id="11" presetID="42" presetClass="entr" presetSubtype="0" fill="hold" grpId="0" nodeType="clickEffect">
                                   <p:stCondLst>
                                     <p:cond delay="0"/>
                                   </p:stCondLst>
                                   <p:childTnLst>
                                     <p:set>
                                       <p:cBhvr>
-                                        <p:cTn id="17" dur="1" fill="hold">
+                                        <p:cTn id="12" dur="1" fill="hold">
                                           <p:stCondLst>
                                             <p:cond delay="0"/>
                                           </p:stCondLst>
@@ -5218,7 +5054,7 @@
                                     </p:set>
                                     <p:animEffect transition="in" filter="fade">
                                       <p:cBhvr>
-                                        <p:cTn id="18" dur="1000"/>
+                                        <p:cTn id="13" dur="1000"/>
                                         <p:tgtEl>
                                           <p:spTgt spid="31"/>
                                         </p:tgtEl>
@@ -5226,7 +5062,7 @@
                                     </p:animEffect>
                                     <p:anim calcmode="lin" valueType="num">
                                       <p:cBhvr>
-                                        <p:cTn id="19" dur="1000" fill="hold"/>
+                                        <p:cTn id="14" dur="1000" fill="hold"/>
                                         <p:tgtEl>
                                           <p:spTgt spid="31"/>
                                         </p:tgtEl>
@@ -5249,7 +5085,7 @@
                                     </p:anim>
                                     <p:anim calcmode="lin" valueType="num">
                                       <p:cBhvr>
-                                        <p:cTn id="20" dur="1000" fill="hold"/>
+                                        <p:cTn id="15" dur="1000" fill="hold"/>
                                         <p:tgtEl>
                                           <p:spTgt spid="31"/>
                                         </p:tgtEl>
@@ -5302,7 +5138,6 @@
     </p:tnLst>
     <p:bldLst>
       <p:bldP spid="31" grpId="0"/>
-      <p:bldP spid="45" grpId="0"/>
     </p:bldLst>
   </p:timing>
 </p:sld>

--- a/ppt/7.pptx
+++ b/ppt/7.pptx
@@ -7942,7 +7942,7 @@
         </p:nvSpPr>
         <p:spPr>
           <a:xfrm>
-            <a:off x="8637905" y="762000"/>
+            <a:off x="8570595" y="652780"/>
             <a:ext cx="3554095" cy="6059170"/>
           </a:xfrm>
           <a:prstGeom prst="rect">
@@ -10251,7 +10251,7 @@
 <file path=ppt/tags/tag8.xml><?xml version="1.0" encoding="utf-8"?>
 <p:tagLst xmlns:p="http://schemas.openxmlformats.org/presentationml/2006/main">
   <p:tag name="KSO_WPP_MARK_KEY" val="8fe23a96-6cb4-41e7-aafd-922fd31157d7"/>
-  <p:tag name="COMMONDATA" val="eyJoZGlkIjoiOWUwOWY1OThjOTBmY2I1M2U5OGEyOWE4OWU3MTI0MDIifQ=="/>
+  <p:tag name="COMMONDATA" val="eyJoZGlkIjoiYTY0MjE1ZWJkZGRmOGFjMDY5NjhlYjcwM2Q5OWI2ZjQifQ=="/>
 </p:tagLst>
 </file>
 
